--- a/doc/Presentation.pptx
+++ b/doc/Presentation.pptx
@@ -5,7 +5,7 @@
     <p:sldMasterId id="2147483672" r:id="rId1"/>
   </p:sldMasterIdLst>
   <p:notesMasterIdLst>
-    <p:notesMasterId r:id="rId10"/>
+    <p:notesMasterId r:id="rId11"/>
   </p:notesMasterIdLst>
   <p:sldIdLst>
     <p:sldId id="256" r:id="rId2"/>
@@ -14,8 +14,9 @@
     <p:sldId id="260" r:id="rId5"/>
     <p:sldId id="258" r:id="rId6"/>
     <p:sldId id="259" r:id="rId7"/>
-    <p:sldId id="262" r:id="rId8"/>
-    <p:sldId id="263" r:id="rId9"/>
+    <p:sldId id="264" r:id="rId8"/>
+    <p:sldId id="262" r:id="rId9"/>
+    <p:sldId id="263" r:id="rId10"/>
   </p:sldIdLst>
   <p:sldSz cx="9144000" cy="6858000" type="screen4x3"/>
   <p:notesSz cx="6858000" cy="9144000"/>
@@ -3256,6 +3257,13 @@
         </dgm:presLayoutVars>
       </dgm:prSet>
       <dgm:spPr/>
+      <dgm:t>
+        <a:bodyPr/>
+        <a:lstStyle/>
+        <a:p>
+          <a:endParaRPr lang="en-US"/>
+        </a:p>
+      </dgm:t>
     </dgm:pt>
     <dgm:pt modelId="{A1B0A1BA-AF73-9A4D-A346-C167FF4038DF}" type="pres">
       <dgm:prSet presAssocID="{0D81D191-7E9D-5149-8ECE-4B01995CFC6A}" presName="composite" presStyleCnt="0"/>
@@ -3773,10 +3781,24 @@
         </dgm:presLayoutVars>
       </dgm:prSet>
       <dgm:spPr/>
+      <dgm:t>
+        <a:bodyPr/>
+        <a:lstStyle/>
+        <a:p>
+          <a:endParaRPr lang="en-US"/>
+        </a:p>
+      </dgm:t>
     </dgm:pt>
     <dgm:pt modelId="{5F43068C-AD87-D841-A878-97BEF7F57DD7}" type="pres">
       <dgm:prSet presAssocID="{761B0335-F911-464B-B80E-011C801D32F4}" presName="centerShape" presStyleLbl="node0" presStyleIdx="0" presStyleCnt="1" custScaleX="145066" custScaleY="138560"/>
       <dgm:spPr/>
+      <dgm:t>
+        <a:bodyPr/>
+        <a:lstStyle/>
+        <a:p>
+          <a:endParaRPr lang="en-US"/>
+        </a:p>
+      </dgm:t>
     </dgm:pt>
     <dgm:pt modelId="{8562E9C7-1903-5641-9EDD-6971151EEB5A}" type="pres">
       <dgm:prSet presAssocID="{8955B708-101A-E149-A365-95CF42533B1B}" presName="node" presStyleLbl="node1" presStyleIdx="0" presStyleCnt="8">
@@ -3785,6 +3807,13 @@
         </dgm:presLayoutVars>
       </dgm:prSet>
       <dgm:spPr/>
+      <dgm:t>
+        <a:bodyPr/>
+        <a:lstStyle/>
+        <a:p>
+          <a:endParaRPr lang="en-US"/>
+        </a:p>
+      </dgm:t>
     </dgm:pt>
     <dgm:pt modelId="{9E1C3AC8-B7E9-734B-B597-4F07859A9BB9}" type="pres">
       <dgm:prSet presAssocID="{8955B708-101A-E149-A365-95CF42533B1B}" presName="dummy" presStyleCnt="0"/>
@@ -3793,6 +3822,13 @@
     <dgm:pt modelId="{D825BDA8-B28B-E849-A8F9-95E3EDDF400B}" type="pres">
       <dgm:prSet presAssocID="{2823DC4E-C9EC-7444-A80F-ADED0AC2B4E1}" presName="sibTrans" presStyleLbl="sibTrans2D1" presStyleIdx="0" presStyleCnt="8"/>
       <dgm:spPr/>
+      <dgm:t>
+        <a:bodyPr/>
+        <a:lstStyle/>
+        <a:p>
+          <a:endParaRPr lang="en-US"/>
+        </a:p>
+      </dgm:t>
     </dgm:pt>
     <dgm:pt modelId="{2FF86A1B-EF9A-1341-9C1B-715BF5D4060A}" type="pres">
       <dgm:prSet presAssocID="{CC6B635F-58A7-BA49-A27D-D1587FC621BC}" presName="node" presStyleLbl="node1" presStyleIdx="1" presStyleCnt="8">
@@ -3801,6 +3837,13 @@
         </dgm:presLayoutVars>
       </dgm:prSet>
       <dgm:spPr/>
+      <dgm:t>
+        <a:bodyPr/>
+        <a:lstStyle/>
+        <a:p>
+          <a:endParaRPr lang="en-US"/>
+        </a:p>
+      </dgm:t>
     </dgm:pt>
     <dgm:pt modelId="{B2708553-5DEB-0244-9A45-4A9F9F875C97}" type="pres">
       <dgm:prSet presAssocID="{CC6B635F-58A7-BA49-A27D-D1587FC621BC}" presName="dummy" presStyleCnt="0"/>
@@ -3809,6 +3852,13 @@
     <dgm:pt modelId="{85969E63-666E-D040-A67B-5402B91AF854}" type="pres">
       <dgm:prSet presAssocID="{001DDFAE-C470-4E40-834E-2197A49B7FB5}" presName="sibTrans" presStyleLbl="sibTrans2D1" presStyleIdx="1" presStyleCnt="8"/>
       <dgm:spPr/>
+      <dgm:t>
+        <a:bodyPr/>
+        <a:lstStyle/>
+        <a:p>
+          <a:endParaRPr lang="en-US"/>
+        </a:p>
+      </dgm:t>
     </dgm:pt>
     <dgm:pt modelId="{7594A19A-6382-184E-B29C-3F9C9614B9AC}" type="pres">
       <dgm:prSet presAssocID="{252539D1-37D6-024D-8D80-46A3301F509C}" presName="node" presStyleLbl="node1" presStyleIdx="2" presStyleCnt="8">
@@ -3817,6 +3867,13 @@
         </dgm:presLayoutVars>
       </dgm:prSet>
       <dgm:spPr/>
+      <dgm:t>
+        <a:bodyPr/>
+        <a:lstStyle/>
+        <a:p>
+          <a:endParaRPr lang="en-US"/>
+        </a:p>
+      </dgm:t>
     </dgm:pt>
     <dgm:pt modelId="{B5AE61E9-6516-7C42-8EEB-55B9F8287DB9}" type="pres">
       <dgm:prSet presAssocID="{252539D1-37D6-024D-8D80-46A3301F509C}" presName="dummy" presStyleCnt="0"/>
@@ -3825,6 +3882,13 @@
     <dgm:pt modelId="{23FF765F-8A99-E441-9D5B-4586F183A0D2}" type="pres">
       <dgm:prSet presAssocID="{0C83BF15-E6B8-4E48-B6F2-645C7E2C8A12}" presName="sibTrans" presStyleLbl="sibTrans2D1" presStyleIdx="2" presStyleCnt="8"/>
       <dgm:spPr/>
+      <dgm:t>
+        <a:bodyPr/>
+        <a:lstStyle/>
+        <a:p>
+          <a:endParaRPr lang="en-US"/>
+        </a:p>
+      </dgm:t>
     </dgm:pt>
     <dgm:pt modelId="{82CD8E7F-145D-5A4A-8060-E3C2F00E17A3}" type="pres">
       <dgm:prSet presAssocID="{4AD291B1-74A9-2A40-814E-F16AE7E6713D}" presName="node" presStyleLbl="node1" presStyleIdx="3" presStyleCnt="8">
@@ -3833,6 +3897,13 @@
         </dgm:presLayoutVars>
       </dgm:prSet>
       <dgm:spPr/>
+      <dgm:t>
+        <a:bodyPr/>
+        <a:lstStyle/>
+        <a:p>
+          <a:endParaRPr lang="en-US"/>
+        </a:p>
+      </dgm:t>
     </dgm:pt>
     <dgm:pt modelId="{66B46480-BA3B-5345-A347-FDE2AD8D74CB}" type="pres">
       <dgm:prSet presAssocID="{4AD291B1-74A9-2A40-814E-F16AE7E6713D}" presName="dummy" presStyleCnt="0"/>
@@ -3841,6 +3912,13 @@
     <dgm:pt modelId="{1D4A9920-F38F-E34D-B6F4-42D353234595}" type="pres">
       <dgm:prSet presAssocID="{4F9890A0-8573-8E4D-86B0-09915FBDDF0C}" presName="sibTrans" presStyleLbl="sibTrans2D1" presStyleIdx="3" presStyleCnt="8"/>
       <dgm:spPr/>
+      <dgm:t>
+        <a:bodyPr/>
+        <a:lstStyle/>
+        <a:p>
+          <a:endParaRPr lang="en-US"/>
+        </a:p>
+      </dgm:t>
     </dgm:pt>
     <dgm:pt modelId="{4C4A2B40-759C-1D4E-8C12-CDF070B96307}" type="pres">
       <dgm:prSet presAssocID="{87FC957A-DC77-0641-BEBD-4397F9806982}" presName="node" presStyleLbl="node1" presStyleIdx="4" presStyleCnt="8">
@@ -3849,6 +3927,13 @@
         </dgm:presLayoutVars>
       </dgm:prSet>
       <dgm:spPr/>
+      <dgm:t>
+        <a:bodyPr/>
+        <a:lstStyle/>
+        <a:p>
+          <a:endParaRPr lang="en-US"/>
+        </a:p>
+      </dgm:t>
     </dgm:pt>
     <dgm:pt modelId="{471657C8-A78C-6141-8637-939A6E961D6C}" type="pres">
       <dgm:prSet presAssocID="{87FC957A-DC77-0641-BEBD-4397F9806982}" presName="dummy" presStyleCnt="0"/>
@@ -3857,6 +3942,13 @@
     <dgm:pt modelId="{094691A9-EB5A-1143-9FF1-F60D7FC249BB}" type="pres">
       <dgm:prSet presAssocID="{375A5043-930F-AE4F-A52A-AF4C1345E20D}" presName="sibTrans" presStyleLbl="sibTrans2D1" presStyleIdx="4" presStyleCnt="8"/>
       <dgm:spPr/>
+      <dgm:t>
+        <a:bodyPr/>
+        <a:lstStyle/>
+        <a:p>
+          <a:endParaRPr lang="en-US"/>
+        </a:p>
+      </dgm:t>
     </dgm:pt>
     <dgm:pt modelId="{91A9EB79-EFA2-3C4F-A3FC-2228D09655FA}" type="pres">
       <dgm:prSet presAssocID="{D131E6B8-33C4-8742-968D-98EC0E4EBBD4}" presName="node" presStyleLbl="node1" presStyleIdx="5" presStyleCnt="8">
@@ -3865,6 +3957,13 @@
         </dgm:presLayoutVars>
       </dgm:prSet>
       <dgm:spPr/>
+      <dgm:t>
+        <a:bodyPr/>
+        <a:lstStyle/>
+        <a:p>
+          <a:endParaRPr lang="en-US"/>
+        </a:p>
+      </dgm:t>
     </dgm:pt>
     <dgm:pt modelId="{30B5FA0C-7031-1741-90CC-9471F35512AF}" type="pres">
       <dgm:prSet presAssocID="{D131E6B8-33C4-8742-968D-98EC0E4EBBD4}" presName="dummy" presStyleCnt="0"/>
@@ -3873,6 +3972,13 @@
     <dgm:pt modelId="{921E251A-9EAE-DE4C-8294-2CA88842E1BC}" type="pres">
       <dgm:prSet presAssocID="{69B794C2-5042-6F44-8D33-D0839C8BDAE9}" presName="sibTrans" presStyleLbl="sibTrans2D1" presStyleIdx="5" presStyleCnt="8"/>
       <dgm:spPr/>
+      <dgm:t>
+        <a:bodyPr/>
+        <a:lstStyle/>
+        <a:p>
+          <a:endParaRPr lang="en-US"/>
+        </a:p>
+      </dgm:t>
     </dgm:pt>
     <dgm:pt modelId="{A28C5ED7-547C-D44C-B976-7A5DEA0EAAC6}" type="pres">
       <dgm:prSet presAssocID="{12F6580B-4A32-2B42-9281-86A09F80BC6F}" presName="node" presStyleLbl="node1" presStyleIdx="6" presStyleCnt="8">
@@ -3881,6 +3987,13 @@
         </dgm:presLayoutVars>
       </dgm:prSet>
       <dgm:spPr/>
+      <dgm:t>
+        <a:bodyPr/>
+        <a:lstStyle/>
+        <a:p>
+          <a:endParaRPr lang="en-US"/>
+        </a:p>
+      </dgm:t>
     </dgm:pt>
     <dgm:pt modelId="{92586114-14A2-DF43-B09B-3C09A59F515D}" type="pres">
       <dgm:prSet presAssocID="{12F6580B-4A32-2B42-9281-86A09F80BC6F}" presName="dummy" presStyleCnt="0"/>
@@ -3889,6 +4002,13 @@
     <dgm:pt modelId="{39830F15-033C-8744-B668-FA8EA0086258}" type="pres">
       <dgm:prSet presAssocID="{C649F0AE-8813-634C-B04C-7B88F1BBE6AA}" presName="sibTrans" presStyleLbl="sibTrans2D1" presStyleIdx="6" presStyleCnt="8"/>
       <dgm:spPr/>
+      <dgm:t>
+        <a:bodyPr/>
+        <a:lstStyle/>
+        <a:p>
+          <a:endParaRPr lang="en-US"/>
+        </a:p>
+      </dgm:t>
     </dgm:pt>
     <dgm:pt modelId="{C03362F3-DAF7-8345-935F-AACFDF5C651A}" type="pres">
       <dgm:prSet presAssocID="{03646DE7-B7F2-F04D-934C-C336EC40CA09}" presName="node" presStyleLbl="node1" presStyleIdx="7" presStyleCnt="8">
@@ -3897,6 +4017,13 @@
         </dgm:presLayoutVars>
       </dgm:prSet>
       <dgm:spPr/>
+      <dgm:t>
+        <a:bodyPr/>
+        <a:lstStyle/>
+        <a:p>
+          <a:endParaRPr lang="en-US"/>
+        </a:p>
+      </dgm:t>
     </dgm:pt>
     <dgm:pt modelId="{46915978-C191-1242-8AD2-25102578F262}" type="pres">
       <dgm:prSet presAssocID="{03646DE7-B7F2-F04D-934C-C336EC40CA09}" presName="dummy" presStyleCnt="0"/>
@@ -3905,6 +4032,13 @@
     <dgm:pt modelId="{710A035D-2BA8-D847-9976-0E9EC7AB7830}" type="pres">
       <dgm:prSet presAssocID="{3E34BD88-CC5B-994C-A68D-05A2E5D2BECE}" presName="sibTrans" presStyleLbl="sibTrans2D1" presStyleIdx="7" presStyleCnt="8"/>
       <dgm:spPr/>
+      <dgm:t>
+        <a:bodyPr/>
+        <a:lstStyle/>
+        <a:p>
+          <a:endParaRPr lang="en-US"/>
+        </a:p>
+      </dgm:t>
     </dgm:pt>
   </dgm:ptLst>
   <dgm:cxnLst>
@@ -3965,7 +4099,7 @@
   <dgm:whole/>
   <dgm:extLst>
     <a:ext uri="http://schemas.microsoft.com/office/drawing/2008/diagram">
-      <dsp:dataModelExt xmlns:dsp="http://schemas.microsoft.com/office/drawing/2008/diagram" relId="rId6" minVer="http://schemas.openxmlformats.org/drawingml/2006/diagram"/>
+      <dsp:dataModelExt xmlns:dsp="http://schemas.microsoft.com/office/drawing/2008/diagram" relId="rId7" minVer="http://schemas.openxmlformats.org/drawingml/2006/diagram"/>
     </a:ext>
   </dgm:extLst>
 </dgm:dataModel>
@@ -4098,9 +4232,10 @@
         <a:p>
           <a:pPr rtl="0"/>
           <a:r>
-            <a:rPr lang="en-US" baseline="0" dirty="0" smtClean="0"/>
-            <a:t>RBG:</a:t>
+            <a:rPr lang="en-US" baseline="0" smtClean="0"/>
+            <a:t>RGB:</a:t>
           </a:r>
+          <a:endParaRPr lang="en-US" baseline="0" dirty="0" smtClean="0"/>
         </a:p>
         <a:p>
           <a:pPr rtl="0"/>
@@ -4196,6 +4331,13 @@
         </dgm:presLayoutVars>
       </dgm:prSet>
       <dgm:spPr/>
+      <dgm:t>
+        <a:bodyPr/>
+        <a:lstStyle/>
+        <a:p>
+          <a:endParaRPr lang="en-US"/>
+        </a:p>
+      </dgm:t>
     </dgm:pt>
     <dgm:pt modelId="{1B0B4B03-E5CF-AE4D-AA9B-A589453D2B59}" type="pres">
       <dgm:prSet presAssocID="{BFC84F1D-5CAE-0943-9D5F-21A2185B55BC}" presName="parentText" presStyleLbl="node1" presStyleIdx="0" presStyleCnt="4">
@@ -4275,15 +4417,15 @@
     </dgm:pt>
   </dgm:ptLst>
   <dgm:cxnLst>
-    <dgm:cxn modelId="{264FDA1A-CB1B-D04E-89BC-4F2EF9F812E7}" type="presOf" srcId="{E9242708-4644-7540-B99D-D9BCE8695DCF}" destId="{6A722735-D4D4-5141-AE82-5B9078AA2A90}" srcOrd="0" destOrd="0" presId="urn:microsoft.com/office/officeart/2005/8/layout/vList2"/>
+    <dgm:cxn modelId="{D32AE42E-2E87-C149-9DBE-733EEAC57F16}" srcId="{E9242708-4644-7540-B99D-D9BCE8695DCF}" destId="{BFC84F1D-5CAE-0943-9D5F-21A2185B55BC}" srcOrd="0" destOrd="0" parTransId="{B26F944F-72FD-B141-AB95-90976E15F231}" sibTransId="{004F476F-B57D-2F4B-9359-6BC4BBA5025A}"/>
     <dgm:cxn modelId="{199F62FA-63DF-654B-AE09-33B785868A3C}" srcId="{E9242708-4644-7540-B99D-D9BCE8695DCF}" destId="{40612039-F56C-6E45-A2F7-6C103EF57BA4}" srcOrd="1" destOrd="0" parTransId="{4C0DDE8C-9C74-7943-9EB5-1BD37A44D3FE}" sibTransId="{52D2D82B-F7BE-CC46-BF3A-C7F7FA9A1B1B}"/>
     <dgm:cxn modelId="{1D7B2630-A108-BB4C-874D-72948D2F5D58}" type="presOf" srcId="{BFC84F1D-5CAE-0943-9D5F-21A2185B55BC}" destId="{1B0B4B03-E5CF-AE4D-AA9B-A589453D2B59}" srcOrd="0" destOrd="0" presId="urn:microsoft.com/office/officeart/2005/8/layout/vList2"/>
+    <dgm:cxn modelId="{45E9A683-605F-1E4C-8328-2E341A5F5E34}" srcId="{E9242708-4644-7540-B99D-D9BCE8695DCF}" destId="{561D920C-D45A-BD41-B142-C2B75EB9F49C}" srcOrd="2" destOrd="0" parTransId="{60EBA2D9-8C89-9B44-9699-93409DD4E5AC}" sibTransId="{3A8E4D99-4AD8-404A-8F04-3F044532DD03}"/>
+    <dgm:cxn modelId="{AA87E645-9B6B-C24B-A72C-C19D9C2C5972}" type="presOf" srcId="{561D920C-D45A-BD41-B142-C2B75EB9F49C}" destId="{DB5486EF-1D31-634A-9B83-E552F6C162B6}" srcOrd="0" destOrd="0" presId="urn:microsoft.com/office/officeart/2005/8/layout/vList2"/>
     <dgm:cxn modelId="{D650D6E2-5B14-4340-996F-43ADDEB4541C}" type="presOf" srcId="{CD4FFB58-FC1B-4F4B-A35D-46DECD9D3DA3}" destId="{8C0FA82E-3AC2-6D4A-A156-C4F6B5212120}" srcOrd="0" destOrd="0" presId="urn:microsoft.com/office/officeart/2005/8/layout/vList2"/>
-    <dgm:cxn modelId="{AA87E645-9B6B-C24B-A72C-C19D9C2C5972}" type="presOf" srcId="{561D920C-D45A-BD41-B142-C2B75EB9F49C}" destId="{DB5486EF-1D31-634A-9B83-E552F6C162B6}" srcOrd="0" destOrd="0" presId="urn:microsoft.com/office/officeart/2005/8/layout/vList2"/>
-    <dgm:cxn modelId="{45E9A683-605F-1E4C-8328-2E341A5F5E34}" srcId="{E9242708-4644-7540-B99D-D9BCE8695DCF}" destId="{561D920C-D45A-BD41-B142-C2B75EB9F49C}" srcOrd="2" destOrd="0" parTransId="{60EBA2D9-8C89-9B44-9699-93409DD4E5AC}" sibTransId="{3A8E4D99-4AD8-404A-8F04-3F044532DD03}"/>
     <dgm:cxn modelId="{FCED3012-2098-2941-AAD1-8E473025D69E}" srcId="{E9242708-4644-7540-B99D-D9BCE8695DCF}" destId="{CD4FFB58-FC1B-4F4B-A35D-46DECD9D3DA3}" srcOrd="3" destOrd="0" parTransId="{768BA835-157F-E74D-85D9-6F9832EBEB8C}" sibTransId="{80F1EF9B-BDFE-D24A-97D5-E889F0277162}"/>
+    <dgm:cxn modelId="{264FDA1A-CB1B-D04E-89BC-4F2EF9F812E7}" type="presOf" srcId="{E9242708-4644-7540-B99D-D9BCE8695DCF}" destId="{6A722735-D4D4-5141-AE82-5B9078AA2A90}" srcOrd="0" destOrd="0" presId="urn:microsoft.com/office/officeart/2005/8/layout/vList2"/>
     <dgm:cxn modelId="{765B6F5D-61F1-E841-BFA8-3A1CD8346FC6}" type="presOf" srcId="{40612039-F56C-6E45-A2F7-6C103EF57BA4}" destId="{9A36EABE-F4C6-5040-80D7-A7FB40393A2E}" srcOrd="0" destOrd="0" presId="urn:microsoft.com/office/officeart/2005/8/layout/vList2"/>
-    <dgm:cxn modelId="{D32AE42E-2E87-C149-9DBE-733EEAC57F16}" srcId="{E9242708-4644-7540-B99D-D9BCE8695DCF}" destId="{BFC84F1D-5CAE-0943-9D5F-21A2185B55BC}" srcOrd="0" destOrd="0" parTransId="{B26F944F-72FD-B141-AB95-90976E15F231}" sibTransId="{004F476F-B57D-2F4B-9359-6BC4BBA5025A}"/>
     <dgm:cxn modelId="{6DAF108A-C26D-4F47-9E37-412F2B225DAB}" type="presParOf" srcId="{6A722735-D4D4-5141-AE82-5B9078AA2A90}" destId="{1B0B4B03-E5CF-AE4D-AA9B-A589453D2B59}" srcOrd="0" destOrd="0" presId="urn:microsoft.com/office/officeart/2005/8/layout/vList2"/>
     <dgm:cxn modelId="{23F81F3D-0197-3B4F-BE9F-644E68006050}" type="presParOf" srcId="{6A722735-D4D4-5141-AE82-5B9078AA2A90}" destId="{CF1C4724-A5E6-E441-A285-716C2363C7F6}" srcOrd="1" destOrd="0" presId="urn:microsoft.com/office/officeart/2005/8/layout/vList2"/>
     <dgm:cxn modelId="{32848144-BC1B-0E4C-8084-494D65A3DF7E}" type="presParOf" srcId="{6A722735-D4D4-5141-AE82-5B9078AA2A90}" destId="{9A36EABE-F4C6-5040-80D7-A7FB40393A2E}" srcOrd="2" destOrd="0" presId="urn:microsoft.com/office/officeart/2005/8/layout/vList2"/>
@@ -4422,6 +4564,13 @@
         </dgm:presLayoutVars>
       </dgm:prSet>
       <dgm:spPr/>
+      <dgm:t>
+        <a:bodyPr/>
+        <a:lstStyle/>
+        <a:p>
+          <a:endParaRPr lang="en-US"/>
+        </a:p>
+      </dgm:t>
     </dgm:pt>
     <dgm:pt modelId="{4706543F-825B-A041-98A8-55C38B775188}" type="pres">
       <dgm:prSet presAssocID="{E9F84FA2-ACAD-6B4B-9710-933635D8F276}" presName="arrow" presStyleLbl="node1" presStyleIdx="0" presStyleCnt="2" custScaleY="100011">
@@ -6823,9 +6972,10 @@
             </a:spcAft>
           </a:pPr>
           <a:r>
-            <a:rPr lang="en-US" sz="1600" kern="1200" baseline="0" dirty="0" smtClean="0"/>
-            <a:t>RBG:</a:t>
+            <a:rPr lang="en-US" sz="1600" kern="1200" baseline="0" smtClean="0"/>
+            <a:t>RGB:</a:t>
           </a:r>
+          <a:endParaRPr lang="en-US" sz="1600" kern="1200" baseline="0" dirty="0" smtClean="0"/>
         </a:p>
         <a:p>
           <a:pPr lvl="0" algn="l" defTabSz="711200" rtl="0">
@@ -12453,7 +12603,7 @@
           <a:p>
             <a:fld id="{78C4B474-980A-9041-ACD8-E0C4E7181CE6}" type="datetimeFigureOut">
               <a:rPr lang="en-US" smtClean="0"/>
-              <a:t>3/27/18</a:t>
+              <a:t>3/28/18</a:t>
             </a:fld>
             <a:endParaRPr lang="en-US"/>
           </a:p>
@@ -12770,6 +12920,120 @@
                 <a:solidFill>
                   <a:schemeClr val="tx1"/>
                 </a:solidFill>
+                <a:effectLst/>
+                <a:latin typeface="+mn-lt"/>
+                <a:ea typeface="+mn-ea"/>
+                <a:cs typeface="+mn-cs"/>
+              </a:rPr>
+              <a:t>a more regularized model formalization that can prevent </a:t>
+            </a:r>
+            <a:r>
+              <a:rPr lang="en-US" sz="1200" kern="1200" dirty="0" err="1" smtClean="0">
+                <a:solidFill>
+                  <a:schemeClr val="tx1"/>
+                </a:solidFill>
+                <a:effectLst/>
+                <a:latin typeface="+mn-lt"/>
+                <a:ea typeface="+mn-ea"/>
+                <a:cs typeface="+mn-cs"/>
+              </a:rPr>
+              <a:t>overfitting</a:t>
+            </a:r>
+            <a:r>
+              <a:rPr lang="en-US" smtClean="0">
+                <a:effectLst/>
+              </a:rPr>
+              <a:t> </a:t>
+            </a:r>
+            <a:endParaRPr lang="en-US"/>
+          </a:p>
+        </p:txBody>
+      </p:sp>
+      <p:sp>
+        <p:nvSpPr>
+          <p:cNvPr id="4" name="Slide Number Placeholder 3"/>
+          <p:cNvSpPr>
+            <a:spLocks noGrp="1"/>
+          </p:cNvSpPr>
+          <p:nvPr>
+            <p:ph type="sldNum" sz="quarter" idx="10"/>
+          </p:nvPr>
+        </p:nvSpPr>
+        <p:spPr/>
+        <p:txBody>
+          <a:bodyPr/>
+          <a:lstStyle/>
+          <a:p>
+            <a:fld id="{2E5BC056-6079-7D4C-843A-F429F7129A0E}" type="slidenum">
+              <a:rPr lang="en-US" smtClean="0"/>
+              <a:t>3</a:t>
+            </a:fld>
+            <a:endParaRPr lang="en-US"/>
+          </a:p>
+        </p:txBody>
+      </p:sp>
+    </p:spTree>
+    <p:extLst>
+      <p:ext uri="{BB962C8B-B14F-4D97-AF65-F5344CB8AC3E}">
+        <p14:creationId xmlns:p14="http://schemas.microsoft.com/office/powerpoint/2010/main" val="2457314423"/>
+      </p:ext>
+    </p:extLst>
+  </p:cSld>
+  <p:clrMapOvr>
+    <a:masterClrMapping/>
+  </p:clrMapOvr>
+</p:notes>
+</file>
+
+<file path=ppt/notesSlides/notesSlide2.xml><?xml version="1.0" encoding="utf-8"?>
+<p:notes xmlns:a="http://schemas.openxmlformats.org/drawingml/2006/main" xmlns:r="http://schemas.openxmlformats.org/officeDocument/2006/relationships" xmlns:p="http://schemas.openxmlformats.org/presentationml/2006/main">
+  <p:cSld>
+    <p:spTree>
+      <p:nvGrpSpPr>
+        <p:cNvPr id="1" name=""/>
+        <p:cNvGrpSpPr/>
+        <p:nvPr/>
+      </p:nvGrpSpPr>
+      <p:grpSpPr>
+        <a:xfrm>
+          <a:off x="0" y="0"/>
+          <a:ext cx="0" cy="0"/>
+          <a:chOff x="0" y="0"/>
+          <a:chExt cx="0" cy="0"/>
+        </a:xfrm>
+      </p:grpSpPr>
+      <p:sp>
+        <p:nvSpPr>
+          <p:cNvPr id="2" name="Slide Image Placeholder 1"/>
+          <p:cNvSpPr>
+            <a:spLocks noGrp="1" noRot="1" noChangeAspect="1"/>
+          </p:cNvSpPr>
+          <p:nvPr>
+            <p:ph type="sldImg"/>
+          </p:nvPr>
+        </p:nvSpPr>
+        <p:spPr/>
+      </p:sp>
+      <p:sp>
+        <p:nvSpPr>
+          <p:cNvPr id="3" name="Notes Placeholder 2"/>
+          <p:cNvSpPr>
+            <a:spLocks noGrp="1"/>
+          </p:cNvSpPr>
+          <p:nvPr>
+            <p:ph type="body" idx="1"/>
+          </p:nvPr>
+        </p:nvSpPr>
+        <p:spPr/>
+        <p:txBody>
+          <a:bodyPr/>
+          <a:lstStyle/>
+          <a:p>
+            <a:r>
+              <a:rPr lang="en-US" sz="1200" kern="1200" dirty="0" smtClean="0">
+                <a:solidFill>
+                  <a:schemeClr val="tx1"/>
+                </a:solidFill>
                 <a:latin typeface="+mn-lt"/>
                 <a:ea typeface="+mn-ea"/>
                 <a:cs typeface="+mn-cs"/>
@@ -12889,7 +13153,7 @@
           <a:p>
             <a:fld id="{2E5BC056-6079-7D4C-843A-F429F7129A0E}" type="slidenum">
               <a:rPr lang="en-US" smtClean="0"/>
-              <a:t>7</a:t>
+              <a:t>8</a:t>
             </a:fld>
             <a:endParaRPr lang="en-US"/>
           </a:p>
@@ -13161,7 +13425,7 @@
           <a:p>
             <a:fld id="{FFF2B4EE-79B9-3B4A-92BB-A5ED53C8C962}" type="datetimeFigureOut">
               <a:rPr lang="en-US" smtClean="0"/>
-              <a:t>3/27/18</a:t>
+              <a:t>3/28/18</a:t>
             </a:fld>
             <a:endParaRPr lang="en-US"/>
           </a:p>
@@ -13374,7 +13638,7 @@
           <a:p>
             <a:fld id="{FFF2B4EE-79B9-3B4A-92BB-A5ED53C8C962}" type="datetimeFigureOut">
               <a:rPr lang="en-US" smtClean="0"/>
-              <a:t>3/27/18</a:t>
+              <a:t>3/28/18</a:t>
             </a:fld>
             <a:endParaRPr lang="en-US"/>
           </a:p>
@@ -13641,7 +13905,7 @@
           <a:p>
             <a:fld id="{FFF2B4EE-79B9-3B4A-92BB-A5ED53C8C962}" type="datetimeFigureOut">
               <a:rPr lang="en-US" smtClean="0"/>
-              <a:t>3/27/18</a:t>
+              <a:t>3/28/18</a:t>
             </a:fld>
             <a:endParaRPr lang="en-US"/>
           </a:p>
@@ -13791,7 +14055,7 @@
           <a:p>
             <a:fld id="{FFF2B4EE-79B9-3B4A-92BB-A5ED53C8C962}" type="datetimeFigureOut">
               <a:rPr lang="en-US" smtClean="0"/>
-              <a:t>3/27/18</a:t>
+              <a:t>3/28/18</a:t>
             </a:fld>
             <a:endParaRPr lang="en-US"/>
           </a:p>
@@ -14121,7 +14385,7 @@
           <a:p>
             <a:fld id="{FFF2B4EE-79B9-3B4A-92BB-A5ED53C8C962}" type="datetimeFigureOut">
               <a:rPr lang="en-US" smtClean="0"/>
-              <a:t>3/27/18</a:t>
+              <a:t>3/28/18</a:t>
             </a:fld>
             <a:endParaRPr lang="en-US"/>
           </a:p>
@@ -14429,7 +14693,7 @@
           <a:p>
             <a:fld id="{FFF2B4EE-79B9-3B4A-92BB-A5ED53C8C962}" type="datetimeFigureOut">
               <a:rPr lang="en-US" smtClean="0"/>
-              <a:t>3/27/18</a:t>
+              <a:t>3/28/18</a:t>
             </a:fld>
             <a:endParaRPr lang="en-US"/>
           </a:p>
@@ -14850,7 +15114,7 @@
           <a:p>
             <a:fld id="{FFF2B4EE-79B9-3B4A-92BB-A5ED53C8C962}" type="datetimeFigureOut">
               <a:rPr lang="en-US" smtClean="0"/>
-              <a:t>3/27/18</a:t>
+              <a:t>3/28/18</a:t>
             </a:fld>
             <a:endParaRPr lang="en-US"/>
           </a:p>
@@ -14963,7 +15227,7 @@
           <a:p>
             <a:fld id="{FFF2B4EE-79B9-3B4A-92BB-A5ED53C8C962}" type="datetimeFigureOut">
               <a:rPr lang="en-US" smtClean="0"/>
-              <a:t>3/27/18</a:t>
+              <a:t>3/28/18</a:t>
             </a:fld>
             <a:endParaRPr lang="en-US"/>
           </a:p>
@@ -15122,7 +15386,7 @@
           <a:p>
             <a:fld id="{FFF2B4EE-79B9-3B4A-92BB-A5ED53C8C962}" type="datetimeFigureOut">
               <a:rPr lang="en-US" smtClean="0"/>
-              <a:t>3/27/18</a:t>
+              <a:t>3/28/18</a:t>
             </a:fld>
             <a:endParaRPr lang="en-US"/>
           </a:p>
@@ -15506,7 +15770,7 @@
           <a:p>
             <a:fld id="{FFF2B4EE-79B9-3B4A-92BB-A5ED53C8C962}" type="datetimeFigureOut">
               <a:rPr lang="en-US" smtClean="0"/>
-              <a:t>3/27/18</a:t>
+              <a:t>3/28/18</a:t>
             </a:fld>
             <a:endParaRPr lang="en-US"/>
           </a:p>
@@ -15868,7 +16132,7 @@
           <a:p>
             <a:fld id="{FFF2B4EE-79B9-3B4A-92BB-A5ED53C8C962}" type="datetimeFigureOut">
               <a:rPr lang="en-US" smtClean="0"/>
-              <a:t>3/27/18</a:t>
+              <a:t>3/28/18</a:t>
             </a:fld>
             <a:endParaRPr lang="en-US"/>
           </a:p>
@@ -16202,7 +16466,7 @@
           <a:p>
             <a:fld id="{FFF2B4EE-79B9-3B4A-92BB-A5ED53C8C962}" type="datetimeFigureOut">
               <a:rPr lang="en-US" smtClean="0"/>
-              <a:t>3/27/18</a:t>
+              <a:t>3/28/18</a:t>
             </a:fld>
             <a:endParaRPr lang="en-US"/>
           </a:p>
@@ -16708,12 +16972,20 @@
               <a:rPr lang="en-US" sz="5000" dirty="0" smtClean="0"/>
               <a:t>Image analysis:</a:t>
             </a:r>
+            <a:r>
+              <a:rPr lang="en-US" sz="5000" smtClean="0"/>
+              <a:t/>
+            </a:r>
             <a:br>
-              <a:rPr lang="en-US" sz="5000" dirty="0" smtClean="0"/>
+              <a:rPr lang="en-US" sz="5000" smtClean="0"/>
             </a:br>
             <a:r>
+              <a:rPr lang="en-US" sz="3000" smtClean="0"/>
+              <a:t>dogs, muffins, </a:t>
+            </a:r>
+            <a:r>
               <a:rPr lang="en-US" sz="3000" dirty="0" smtClean="0"/>
-              <a:t>dog, muffin, fried chicken</a:t>
+              <a:t>fried chicken</a:t>
             </a:r>
             <a:endParaRPr lang="en-US" sz="3000" dirty="0"/>
           </a:p>
@@ -17083,7 +17355,7 @@
         </p:xfrm>
         <a:graphic>
           <a:graphicData uri="http://schemas.openxmlformats.org/drawingml/2006/diagram">
-            <dgm:relIds xmlns:dgm="http://schemas.openxmlformats.org/drawingml/2006/diagram" xmlns:r="http://schemas.openxmlformats.org/officeDocument/2006/relationships" r:dm="rId2" r:lo="rId3" r:qs="rId4" r:cs="rId5"/>
+            <dgm:relIds xmlns:dgm="http://schemas.openxmlformats.org/drawingml/2006/diagram" xmlns:r="http://schemas.openxmlformats.org/officeDocument/2006/relationships" r:dm="rId3" r:lo="rId4" r:qs="rId5" r:cs="rId6"/>
           </a:graphicData>
         </a:graphic>
       </p:graphicFrame>
@@ -17350,7 +17622,7 @@
             <p:ph idx="1"/>
             <p:extLst>
               <p:ext uri="{D42A27DB-BD31-4B8C-83A1-F6EECF244321}">
-                <p14:modId xmlns:p14="http://schemas.microsoft.com/office/powerpoint/2010/main" val="4055573187"/>
+                <p14:modId xmlns:p14="http://schemas.microsoft.com/office/powerpoint/2010/main" val="646590142"/>
               </p:ext>
             </p:extLst>
           </p:nvPr>
@@ -17542,7 +17814,7 @@
             <p:ph idx="1"/>
             <p:extLst>
               <p:ext uri="{D42A27DB-BD31-4B8C-83A1-F6EECF244321}">
-                <p14:modId xmlns:p14="http://schemas.microsoft.com/office/powerpoint/2010/main" val="2712568764"/>
+                <p14:modId xmlns:p14="http://schemas.microsoft.com/office/powerpoint/2010/main" val="2965127648"/>
               </p:ext>
             </p:extLst>
           </p:nvPr>
@@ -18191,7 +18463,7 @@
           <p:nvPr>
             <p:extLst>
               <p:ext uri="{D42A27DB-BD31-4B8C-83A1-F6EECF244321}">
-                <p14:modId xmlns:p14="http://schemas.microsoft.com/office/powerpoint/2010/main" val="1819049540"/>
+                <p14:modId xmlns:p14="http://schemas.microsoft.com/office/powerpoint/2010/main" val="3852952367"/>
               </p:ext>
             </p:extLst>
           </p:nvPr>
@@ -18523,7 +18795,7 @@
                     <a:p>
                       <a:r>
                         <a:rPr lang="en-US" dirty="0" smtClean="0"/>
-                        <a:t>142</a:t>
+                        <a:t>351</a:t>
                       </a:r>
                       <a:endParaRPr lang="en-US" dirty="0"/>
                     </a:p>
@@ -18982,6 +19254,83 @@
           <a:chExt cx="0" cy="0"/>
         </a:xfrm>
       </p:grpSpPr>
+      <p:pic>
+        <p:nvPicPr>
+          <p:cNvPr id="4" name="Content Placeholder 3"/>
+          <p:cNvPicPr>
+            <a:picLocks noGrp="1" noChangeAspect="1"/>
+          </p:cNvPicPr>
+          <p:nvPr>
+            <p:ph idx="1"/>
+          </p:nvPr>
+        </p:nvPicPr>
+        <p:blipFill>
+          <a:blip r:embed="rId2"/>
+          <a:srcRect l="-7559" r="-7559"/>
+          <a:stretch>
+            <a:fillRect/>
+          </a:stretch>
+        </p:blipFill>
+        <p:spPr>
+          <a:xfrm>
+            <a:off x="354367" y="1920268"/>
+            <a:ext cx="8407893" cy="4407408"/>
+          </a:xfrm>
+        </p:spPr>
+      </p:pic>
+      <p:sp>
+        <p:nvSpPr>
+          <p:cNvPr id="3" name="Title 2"/>
+          <p:cNvSpPr>
+            <a:spLocks noGrp="1"/>
+          </p:cNvSpPr>
+          <p:nvPr>
+            <p:ph type="title"/>
+          </p:nvPr>
+        </p:nvSpPr>
+        <p:spPr/>
+        <p:txBody>
+          <a:bodyPr/>
+          <a:lstStyle/>
+          <a:p>
+            <a:r>
+              <a:rPr lang="en-US" dirty="0" smtClean="0"/>
+              <a:t>Compare and contrast</a:t>
+            </a:r>
+            <a:endParaRPr lang="en-US" dirty="0"/>
+          </a:p>
+        </p:txBody>
+      </p:sp>
+    </p:spTree>
+    <p:extLst>
+      <p:ext uri="{BB962C8B-B14F-4D97-AF65-F5344CB8AC3E}">
+        <p14:creationId xmlns:p14="http://schemas.microsoft.com/office/powerpoint/2010/main" val="2902736614"/>
+      </p:ext>
+    </p:extLst>
+  </p:cSld>
+  <p:clrMapOvr>
+    <a:masterClrMapping/>
+  </p:clrMapOvr>
+</p:sld>
+</file>
+
+<file path=ppt/slides/slide8.xml><?xml version="1.0" encoding="utf-8"?>
+<p:sld xmlns:a="http://schemas.openxmlformats.org/drawingml/2006/main" xmlns:r="http://schemas.openxmlformats.org/officeDocument/2006/relationships" xmlns:p="http://schemas.openxmlformats.org/presentationml/2006/main">
+  <p:cSld>
+    <p:spTree>
+      <p:nvGrpSpPr>
+        <p:cNvPr id="1" name=""/>
+        <p:cNvGrpSpPr/>
+        <p:nvPr/>
+      </p:nvGrpSpPr>
+      <p:grpSpPr>
+        <a:xfrm>
+          <a:off x="0" y="0"/>
+          <a:ext cx="0" cy="0"/>
+          <a:chOff x="0" y="0"/>
+          <a:chExt cx="0" cy="0"/>
+        </a:xfrm>
+      </p:grpSpPr>
       <p:graphicFrame>
         <p:nvGraphicFramePr>
           <p:cNvPr id="4" name="Content Placeholder 3"/>
@@ -19328,7 +19677,7 @@
 </p:sld>
 </file>
 
-<file path=ppt/slides/slide8.xml><?xml version="1.0" encoding="utf-8"?>
+<file path=ppt/slides/slide9.xml><?xml version="1.0" encoding="utf-8"?>
 <p:sld xmlns:a="http://schemas.openxmlformats.org/drawingml/2006/main" xmlns:r="http://schemas.openxmlformats.org/officeDocument/2006/relationships" xmlns:p="http://schemas.openxmlformats.org/presentationml/2006/main">
   <p:cSld>
     <p:spTree>
